--- a/PowerPoints/SoundofBirds2ndPresentation.pptx
+++ b/PowerPoints/SoundofBirds2ndPresentation.pptx
@@ -3378,16 +3378,23 @@
         <p:spPr/>
         <p:txBody>
           <a:bodyPr>
-            <a:normAutofit fontScale="90000"/>
+            <a:normAutofit/>
           </a:bodyPr>
           <a:lstStyle/>
           <a:p>
             <a:r>
+              <a:rPr lang="en-US" smtClean="0">
+                <a:latin typeface="Times"/>
+                <a:cs typeface="Times"/>
+              </a:rPr>
+              <a:t>Classification </a:t>
+            </a:r>
+            <a:r>
               <a:rPr lang="en-US" dirty="0" smtClean="0">
                 <a:latin typeface="Times"/>
                 <a:cs typeface="Times"/>
               </a:rPr>
-              <a:t>Bird Specie Identification as a Classification Problem</a:t>
+              <a:t>Problem</a:t>
             </a:r>
             <a:endParaRPr lang="en-US" dirty="0">
               <a:latin typeface="Times"/>
@@ -3890,21 +3897,7 @@
                 <a:latin typeface="Times"/>
                 <a:cs typeface="Times"/>
               </a:rPr>
-              <a:t>Dividing the </a:t>
-            </a:r>
-            <a:r>
-              <a:rPr lang="en-US" sz="2400" dirty="0" smtClean="0">
-                <a:latin typeface="Times"/>
-                <a:cs typeface="Times"/>
-              </a:rPr>
-              <a:t>feasible sets </a:t>
-            </a:r>
-            <a:r>
-              <a:rPr lang="en-US" sz="2400" dirty="0" smtClean="0">
-                <a:latin typeface="Times"/>
-                <a:cs typeface="Times"/>
-              </a:rPr>
-              <a:t>into </a:t>
+              <a:t>Dividing the feasible sets into </a:t>
             </a:r>
             <a:r>
               <a:rPr lang="en-US" sz="2400" dirty="0">
